--- a/07-cookbook_style_and_correctness.pptx
+++ b/07-cookbook_style_and_correctness.pptx
@@ -216,7 +216,7 @@
           <a:p>
             <a:fld id="{D269065F-C4EF-4A64-8A89-E6292D2A811F}" type="datetimeFigureOut">
               <a:rPr lang="en-US" smtClean="0"/>
-              <a:t>7/9/2015</a:t>
+              <a:t>7/24/2015</a:t>
             </a:fld>
             <a:endParaRPr lang="en-US"/>
           </a:p>
@@ -707,7 +707,7 @@
           <a:p>
             <a:fld id="{1D8BD707-D9CF-40AE-B4C6-C98DA3205C09}" type="datetimeFigureOut">
               <a:rPr lang="en-US"/>
-              <a:t>7/9/2015</a:t>
+              <a:t>7/24/2015</a:t>
             </a:fld>
             <a:endParaRPr lang="en-US"/>
           </a:p>
@@ -890,7 +890,7 @@
           <a:p>
             <a:fld id="{1D8BD707-D9CF-40AE-B4C6-C98DA3205C09}" type="datetimeFigureOut">
               <a:rPr lang="en-US"/>
-              <a:t>7/9/2015</a:t>
+              <a:t>7/24/2015</a:t>
             </a:fld>
             <a:endParaRPr lang="en-US"/>
           </a:p>
@@ -4270,7 +4270,7 @@
           <a:p>
             <a:fld id="{1D8BD707-D9CF-40AE-B4C6-C98DA3205C09}" type="datetimeFigureOut">
               <a:rPr lang="en-US"/>
-              <a:t>7/9/2015</a:t>
+              <a:t>7/24/2015</a:t>
             </a:fld>
             <a:endParaRPr lang="en-US"/>
           </a:p>
@@ -4424,7 +4424,7 @@
           <a:p>
             <a:fld id="{1D8BD707-D9CF-40AE-B4C6-C98DA3205C09}" type="datetimeFigureOut">
               <a:rPr lang="en-US"/>
-              <a:t>7/9/2015</a:t>
+              <a:t>7/24/2015</a:t>
             </a:fld>
             <a:endParaRPr lang="en-US"/>
           </a:p>
@@ -7597,7 +7597,7 @@
           <a:p>
             <a:fld id="{1D8BD707-D9CF-40AE-B4C6-C98DA3205C09}" type="datetimeFigureOut">
               <a:rPr lang="en-US"/>
-              <a:t>7/9/2015</a:t>
+              <a:t>7/24/2015</a:t>
             </a:fld>
             <a:endParaRPr lang="en-US"/>
           </a:p>
@@ -7878,7 +7878,7 @@
           <a:p>
             <a:fld id="{1D8BD707-D9CF-40AE-B4C6-C98DA3205C09}" type="datetimeFigureOut">
               <a:rPr lang="en-US"/>
-              <a:t>7/9/2015</a:t>
+              <a:t>7/24/2015</a:t>
             </a:fld>
             <a:endParaRPr lang="en-US"/>
           </a:p>
@@ -14074,14 +14074,14 @@
               <a:t>.</a:t>
             </a:r>
             <a:r>
-              <a:rPr lang="en-US" sz="1800" spc="-10" dirty="0" smtClean="0">
+              <a:rPr lang="en-US" spc="-10" dirty="0">
                 <a:solidFill>
                   <a:srgbClr val="A1C3E5"/>
                 </a:solidFill>
                 <a:latin typeface="Arial"/>
                 <a:cs typeface="Arial"/>
               </a:rPr>
-              <a:t>0</a:t>
+              <a:t>1</a:t>
             </a:r>
             <a:endParaRPr sz="1800" dirty="0">
               <a:latin typeface="Arial"/>
@@ -14463,7 +14463,7 @@
         </p:nvSpPr>
         <p:spPr>
           <a:xfrm>
-            <a:off x="7823200" y="8674399"/>
+            <a:off x="7823200" y="8690441"/>
             <a:ext cx="533400" cy="246221"/>
           </a:xfrm>
           <a:prstGeom prst="rect">
